--- a/slides/ADC.pptx
+++ b/slides/ADC.pptx
@@ -14,10 +14,9 @@
     <p:sldId id="260" r:id="rId8"/>
     <p:sldId id="269" r:id="rId9"/>
     <p:sldId id="266" r:id="rId10"/>
-    <p:sldId id="267" r:id="rId11"/>
-    <p:sldId id="264" r:id="rId12"/>
-    <p:sldId id="259" r:id="rId13"/>
-    <p:sldId id="257" r:id="rId14"/>
+    <p:sldId id="264" r:id="rId11"/>
+    <p:sldId id="259" r:id="rId12"/>
+    <p:sldId id="257" r:id="rId13"/>
   </p:sldIdLst>
   <p:sldSz cx="12192000" cy="6858000"/>
   <p:notesSz cx="6858000" cy="9144000"/>
@@ -350,7 +349,7 @@
           <a:p>
             <a:fld id="{B3AC404A-BEEB-42F3-A1A7-FB5C2ACC860F}" type="datetimeFigureOut">
               <a:rPr lang="en-US" smtClean="0"/>
-              <a:t>11/3/2019</a:t>
+              <a:t>12/20/2019</a:t>
             </a:fld>
             <a:endParaRPr lang="en-US"/>
           </a:p>
@@ -558,7 +557,7 @@
           <a:p>
             <a:fld id="{B3AC404A-BEEB-42F3-A1A7-FB5C2ACC860F}" type="datetimeFigureOut">
               <a:rPr lang="en-US" smtClean="0"/>
-              <a:t>11/3/2019</a:t>
+              <a:t>12/20/2019</a:t>
             </a:fld>
             <a:endParaRPr lang="en-US"/>
           </a:p>
@@ -814,7 +813,7 @@
           <a:p>
             <a:fld id="{B3AC404A-BEEB-42F3-A1A7-FB5C2ACC860F}" type="datetimeFigureOut">
               <a:rPr lang="en-US" smtClean="0"/>
-              <a:t>11/3/2019</a:t>
+              <a:t>12/20/2019</a:t>
             </a:fld>
             <a:endParaRPr lang="en-US"/>
           </a:p>
@@ -988,7 +987,7 @@
           <a:p>
             <a:fld id="{B3AC404A-BEEB-42F3-A1A7-FB5C2ACC860F}" type="datetimeFigureOut">
               <a:rPr lang="en-US" smtClean="0"/>
-              <a:t>11/3/2019</a:t>
+              <a:t>12/20/2019</a:t>
             </a:fld>
             <a:endParaRPr lang="en-US"/>
           </a:p>
@@ -1331,7 +1330,7 @@
           <a:p>
             <a:fld id="{B3AC404A-BEEB-42F3-A1A7-FB5C2ACC860F}" type="datetimeFigureOut">
               <a:rPr lang="en-US" smtClean="0"/>
-              <a:t>11/3/2019</a:t>
+              <a:t>12/20/2019</a:t>
             </a:fld>
             <a:endParaRPr lang="en-US"/>
           </a:p>
@@ -1606,7 +1605,7 @@
           <a:p>
             <a:fld id="{B3AC404A-BEEB-42F3-A1A7-FB5C2ACC860F}" type="datetimeFigureOut">
               <a:rPr lang="en-US" smtClean="0"/>
-              <a:t>11/3/2019</a:t>
+              <a:t>12/20/2019</a:t>
             </a:fld>
             <a:endParaRPr lang="en-US"/>
           </a:p>
@@ -1985,7 +1984,7 @@
           <a:p>
             <a:fld id="{B3AC404A-BEEB-42F3-A1A7-FB5C2ACC860F}" type="datetimeFigureOut">
               <a:rPr lang="en-US" smtClean="0"/>
-              <a:t>11/3/2019</a:t>
+              <a:t>12/20/2019</a:t>
             </a:fld>
             <a:endParaRPr lang="en-US"/>
           </a:p>
@@ -2103,7 +2102,7 @@
           <a:p>
             <a:fld id="{B3AC404A-BEEB-42F3-A1A7-FB5C2ACC860F}" type="datetimeFigureOut">
               <a:rPr lang="en-US" smtClean="0"/>
-              <a:t>11/3/2019</a:t>
+              <a:t>12/20/2019</a:t>
             </a:fld>
             <a:endParaRPr lang="en-US"/>
           </a:p>
@@ -2274,7 +2273,7 @@
           <a:p>
             <a:fld id="{B3AC404A-BEEB-42F3-A1A7-FB5C2ACC860F}" type="datetimeFigureOut">
               <a:rPr lang="en-US" smtClean="0"/>
-              <a:t>11/3/2019</a:t>
+              <a:t>12/20/2019</a:t>
             </a:fld>
             <a:endParaRPr lang="en-US"/>
           </a:p>
@@ -2628,7 +2627,7 @@
           <a:p>
             <a:fld id="{B3AC404A-BEEB-42F3-A1A7-FB5C2ACC860F}" type="datetimeFigureOut">
               <a:rPr lang="en-US" smtClean="0"/>
-              <a:t>11/3/2019</a:t>
+              <a:t>12/20/2019</a:t>
             </a:fld>
             <a:endParaRPr lang="en-US"/>
           </a:p>
@@ -3010,7 +3009,7 @@
           <a:p>
             <a:fld id="{B3AC404A-BEEB-42F3-A1A7-FB5C2ACC860F}" type="datetimeFigureOut">
               <a:rPr lang="en-US" smtClean="0"/>
-              <a:t>11/3/2019</a:t>
+              <a:t>12/20/2019</a:t>
             </a:fld>
             <a:endParaRPr lang="en-US"/>
           </a:p>
@@ -3297,7 +3296,7 @@
           <a:p>
             <a:fld id="{B3AC404A-BEEB-42F3-A1A7-FB5C2ACC860F}" type="datetimeFigureOut">
               <a:rPr lang="en-US" smtClean="0"/>
-              <a:t>11/3/2019</a:t>
+              <a:t>12/20/2019</a:t>
             </a:fld>
             <a:endParaRPr lang="en-US"/>
           </a:p>
@@ -3921,7 +3920,7 @@
           <a:p>
             <a:r>
               <a:rPr lang="en-US" dirty="0" smtClean="0"/>
-              <a:t>Sampling and Quantization</a:t>
+              <a:t>Types of Analog to Digital Converters</a:t>
             </a:r>
             <a:endParaRPr lang="en-US" dirty="0"/>
           </a:p>
@@ -3929,7 +3928,7 @@
       </p:sp>
       <p:sp>
         <p:nvSpPr>
-          <p:cNvPr id="5" name="Content Placeholder 4"/>
+          <p:cNvPr id="3" name="Content Placeholder 2"/>
           <p:cNvSpPr>
             <a:spLocks noGrp="1"/>
           </p:cNvSpPr>
@@ -3939,7 +3938,7 @@
         </p:nvSpPr>
         <p:spPr>
           <a:xfrm>
-            <a:off x="814251" y="1889277"/>
+            <a:off x="941705" y="1900163"/>
             <a:ext cx="10058400" cy="4023360"/>
           </a:xfrm>
         </p:spPr>
@@ -3947,14 +3946,87 @@
           <a:bodyPr/>
           <a:lstStyle/>
           <a:p>
+            <a:pPr fontAlgn="base"/>
+            <a:r>
+              <a:rPr lang="en-US" dirty="0" smtClean="0"/>
+              <a:t>Some </a:t>
+            </a:r>
+            <a:r>
+              <a:rPr lang="en-US" dirty="0"/>
+              <a:t>of the  types of analog to digital converters  include:</a:t>
+            </a:r>
+          </a:p>
+          <a:p>
+            <a:pPr fontAlgn="base"/>
+            <a:r>
+              <a:rPr lang="en-US" dirty="0"/>
+              <a:t>Dual Slope A/D Converter</a:t>
+            </a:r>
+          </a:p>
+          <a:p>
+            <a:pPr fontAlgn="base"/>
+            <a:r>
+              <a:rPr lang="en-US" dirty="0"/>
+              <a:t>Flash A/D Converter</a:t>
+            </a:r>
+          </a:p>
+          <a:p>
+            <a:pPr fontAlgn="base"/>
+            <a:r>
+              <a:rPr lang="en-US" dirty="0"/>
+              <a:t>Successive Approximation A/D Converter</a:t>
+            </a:r>
+          </a:p>
+          <a:p>
             <a:endParaRPr lang="en-US" dirty="0"/>
           </a:p>
         </p:txBody>
       </p:sp>
+      <p:pic>
+        <p:nvPicPr>
+          <p:cNvPr id="6148" name="Picture 4" descr="Successive Approximation A/D Converter"/>
+          <p:cNvPicPr>
+            <a:picLocks noChangeAspect="1" noChangeArrowheads="1"/>
+          </p:cNvPicPr>
+          <p:nvPr/>
+        </p:nvPicPr>
+        <p:blipFill>
+          <a:blip r:embed="rId2">
+            <a:extLst>
+              <a:ext uri="{28A0092B-C50C-407E-A947-70E740481C1C}">
+                <a14:useLocalDpi xmlns:a14="http://schemas.microsoft.com/office/drawing/2010/main" val="0"/>
+              </a:ext>
+            </a:extLst>
+          </a:blip>
+          <a:srcRect/>
+          <a:stretch>
+            <a:fillRect/>
+          </a:stretch>
+        </p:blipFill>
+        <p:spPr bwMode="auto">
+          <a:xfrm>
+            <a:off x="5511346" y="2461321"/>
+            <a:ext cx="5915025" cy="3162301"/>
+          </a:xfrm>
+          <a:prstGeom prst="rect">
+            <a:avLst/>
+          </a:prstGeom>
+          <a:noFill/>
+          <a:extLst>
+            <a:ext uri="{909E8E84-426E-40DD-AFC4-6F175D3DCCD1}">
+              <a14:hiddenFill xmlns:a14="http://schemas.microsoft.com/office/drawing/2010/main">
+                <a:solidFill>
+                  <a:srgbClr val="FFFFFF"/>
+                </a:solidFill>
+              </a14:hiddenFill>
+            </a:ext>
+          </a:extLst>
+        </p:spPr>
+      </p:pic>
     </p:spTree>
     <p:extLst>
       <p:ext uri="{BB962C8B-B14F-4D97-AF65-F5344CB8AC3E}">
-        <p14:creationId xmlns:p14="http://schemas.microsoft.com/office/powerpoint/2010/main" val="4130819728"/>
+        <p14:creationId xmlns:p14="http://schemas.microsoft.com/office/powerpoint/2010/main" val="667321496"/>
       </p:ext>
     </p:extLst>
   </p:cSld>
@@ -4005,163 +4077,6 @@
           <a:p>
             <a:r>
               <a:rPr lang="en-US" dirty="0" smtClean="0"/>
-              <a:t>Types of Analog to Digital Converters</a:t>
-            </a:r>
-            <a:endParaRPr lang="en-US" dirty="0"/>
-          </a:p>
-        </p:txBody>
-      </p:sp>
-      <p:sp>
-        <p:nvSpPr>
-          <p:cNvPr id="3" name="Content Placeholder 2"/>
-          <p:cNvSpPr>
-            <a:spLocks noGrp="1"/>
-          </p:cNvSpPr>
-          <p:nvPr>
-            <p:ph idx="1"/>
-          </p:nvPr>
-        </p:nvSpPr>
-        <p:spPr>
-          <a:xfrm>
-            <a:off x="941705" y="1900163"/>
-            <a:ext cx="10058400" cy="4023360"/>
-          </a:xfrm>
-        </p:spPr>
-        <p:txBody>
-          <a:bodyPr/>
-          <a:lstStyle/>
-          <a:p>
-            <a:pPr fontAlgn="base"/>
-            <a:r>
-              <a:rPr lang="en-US" dirty="0" smtClean="0"/>
-              <a:t>Some </a:t>
-            </a:r>
-            <a:r>
-              <a:rPr lang="en-US" dirty="0"/>
-              <a:t>of the  types of analog to digital converters  include:</a:t>
-            </a:r>
-          </a:p>
-          <a:p>
-            <a:pPr fontAlgn="base"/>
-            <a:r>
-              <a:rPr lang="en-US" dirty="0"/>
-              <a:t>Dual Slope A/D Converter</a:t>
-            </a:r>
-          </a:p>
-          <a:p>
-            <a:pPr fontAlgn="base"/>
-            <a:r>
-              <a:rPr lang="en-US" dirty="0"/>
-              <a:t>Flash A/D Converter</a:t>
-            </a:r>
-          </a:p>
-          <a:p>
-            <a:pPr fontAlgn="base"/>
-            <a:r>
-              <a:rPr lang="en-US" dirty="0"/>
-              <a:t>Successive Approximation A/D Converter</a:t>
-            </a:r>
-          </a:p>
-          <a:p>
-            <a:endParaRPr lang="en-US" dirty="0"/>
-          </a:p>
-        </p:txBody>
-      </p:sp>
-      <p:pic>
-        <p:nvPicPr>
-          <p:cNvPr id="6148" name="Picture 4" descr="Successive Approximation A/D Converter"/>
-          <p:cNvPicPr>
-            <a:picLocks noChangeAspect="1" noChangeArrowheads="1"/>
-          </p:cNvPicPr>
-          <p:nvPr/>
-        </p:nvPicPr>
-        <p:blipFill>
-          <a:blip r:embed="rId2">
-            <a:extLst>
-              <a:ext uri="{28A0092B-C50C-407E-A947-70E740481C1C}">
-                <a14:useLocalDpi xmlns:a14="http://schemas.microsoft.com/office/drawing/2010/main" val="0"/>
-              </a:ext>
-            </a:extLst>
-          </a:blip>
-          <a:srcRect/>
-          <a:stretch>
-            <a:fillRect/>
-          </a:stretch>
-        </p:blipFill>
-        <p:spPr bwMode="auto">
-          <a:xfrm>
-            <a:off x="5511346" y="2461321"/>
-            <a:ext cx="5915025" cy="3162301"/>
-          </a:xfrm>
-          <a:prstGeom prst="rect">
-            <a:avLst/>
-          </a:prstGeom>
-          <a:noFill/>
-          <a:extLst>
-            <a:ext uri="{909E8E84-426E-40DD-AFC4-6F175D3DCCD1}">
-              <a14:hiddenFill xmlns:a14="http://schemas.microsoft.com/office/drawing/2010/main">
-                <a:solidFill>
-                  <a:srgbClr val="FFFFFF"/>
-                </a:solidFill>
-              </a14:hiddenFill>
-            </a:ext>
-          </a:extLst>
-        </p:spPr>
-      </p:pic>
-    </p:spTree>
-    <p:extLst>
-      <p:ext uri="{BB962C8B-B14F-4D97-AF65-F5344CB8AC3E}">
-        <p14:creationId xmlns:p14="http://schemas.microsoft.com/office/powerpoint/2010/main" val="667321496"/>
-      </p:ext>
-    </p:extLst>
-  </p:cSld>
-  <p:clrMapOvr>
-    <a:masterClrMapping/>
-  </p:clrMapOvr>
-  <p:timing>
-    <p:tnLst>
-      <p:par>
-        <p:cTn id="1" dur="indefinite" restart="never" nodeType="tmRoot"/>
-      </p:par>
-    </p:tnLst>
-  </p:timing>
-</p:sld>
-</file>
-
-<file path=ppt/slides/slide12.xml><?xml version="1.0" encoding="utf-8"?>
-<p:sld xmlns:a="http://schemas.openxmlformats.org/drawingml/2006/main" xmlns:r="http://schemas.openxmlformats.org/officeDocument/2006/relationships" xmlns:p="http://schemas.openxmlformats.org/presentationml/2006/main">
-  <p:cSld>
-    <p:spTree>
-      <p:nvGrpSpPr>
-        <p:cNvPr id="1" name=""/>
-        <p:cNvGrpSpPr/>
-        <p:nvPr/>
-      </p:nvGrpSpPr>
-      <p:grpSpPr>
-        <a:xfrm>
-          <a:off x="0" y="0"/>
-          <a:ext cx="0" cy="0"/>
-          <a:chOff x="0" y="0"/>
-          <a:chExt cx="0" cy="0"/>
-        </a:xfrm>
-      </p:grpSpPr>
-      <p:sp>
-        <p:nvSpPr>
-          <p:cNvPr id="2" name="Title 1"/>
-          <p:cNvSpPr>
-            <a:spLocks noGrp="1"/>
-          </p:cNvSpPr>
-          <p:nvPr>
-            <p:ph type="title"/>
-          </p:nvPr>
-        </p:nvSpPr>
-        <p:spPr/>
-        <p:txBody>
-          <a:bodyPr/>
-          <a:lstStyle/>
-          <a:p>
-            <a:r>
-              <a:rPr lang="en-US" dirty="0" smtClean="0"/>
               <a:t>ADC Resolution</a:t>
             </a:r>
             <a:endParaRPr lang="en-US" dirty="0"/>
@@ -4434,7 +4349,7 @@
 </p:sld>
 </file>
 
-<file path=ppt/slides/slide13.xml><?xml version="1.0" encoding="utf-8"?>
+<file path=ppt/slides/slide12.xml><?xml version="1.0" encoding="utf-8"?>
 <p:sld xmlns:a="http://schemas.openxmlformats.org/drawingml/2006/main" xmlns:r="http://schemas.openxmlformats.org/officeDocument/2006/relationships" xmlns:p="http://schemas.openxmlformats.org/presentationml/2006/main">
   <p:cSld>
     <p:spTree>

--- a/slides/ADC.pptx
+++ b/slides/ADC.pptx
@@ -117,7 +117,7 @@
   </p:defaultTextStyle>
   <p:extLst>
     <p:ext uri="{EFAFB233-063F-42B5-8137-9DF3F51BA10A}">
-      <p15:sldGuideLst xmlns:p15="http://schemas.microsoft.com/office/powerpoint/2012/main"/>
+      <p15:sldGuideLst xmlns:p15="http://schemas.microsoft.com/office/powerpoint/2012/main" xmlns=""/>
     </p:ext>
   </p:extLst>
 </p:presentation>
@@ -349,7 +349,8 @@
           <a:p>
             <a:fld id="{B3AC404A-BEEB-42F3-A1A7-FB5C2ACC860F}" type="datetimeFigureOut">
               <a:rPr lang="en-US" smtClean="0"/>
-              <a:t>12/20/2019</a:t>
+              <a:pPr/>
+              <a:t>4/17/2020</a:t>
             </a:fld>
             <a:endParaRPr lang="en-US"/>
           </a:p>
@@ -391,6 +392,7 @@
           <a:p>
             <a:fld id="{7762D9F7-C4C9-4787-9C64-F163FC2E2F8D}" type="slidenum">
               <a:rPr lang="en-US" smtClean="0"/>
+              <a:pPr/>
               <a:t>‹#›</a:t>
             </a:fld>
             <a:endParaRPr lang="en-US"/>
@@ -438,7 +440,7 @@
     </p:spTree>
     <p:extLst>
       <p:ext uri="{BB962C8B-B14F-4D97-AF65-F5344CB8AC3E}">
-        <p14:creationId xmlns:p14="http://schemas.microsoft.com/office/powerpoint/2010/main" val="3939466538"/>
+        <p14:creationId xmlns:p14="http://schemas.microsoft.com/office/powerpoint/2010/main" xmlns="" val="3939466538"/>
       </p:ext>
     </p:extLst>
   </p:cSld>
@@ -557,7 +559,8 @@
           <a:p>
             <a:fld id="{B3AC404A-BEEB-42F3-A1A7-FB5C2ACC860F}" type="datetimeFigureOut">
               <a:rPr lang="en-US" smtClean="0"/>
-              <a:t>12/20/2019</a:t>
+              <a:pPr/>
+              <a:t>4/17/2020</a:t>
             </a:fld>
             <a:endParaRPr lang="en-US"/>
           </a:p>
@@ -599,6 +602,7 @@
           <a:p>
             <a:fld id="{7762D9F7-C4C9-4787-9C64-F163FC2E2F8D}" type="slidenum">
               <a:rPr lang="en-US" smtClean="0"/>
+              <a:pPr/>
               <a:t>‹#›</a:t>
             </a:fld>
             <a:endParaRPr lang="en-US"/>
@@ -608,7 +612,7 @@
     </p:spTree>
     <p:extLst>
       <p:ext uri="{BB962C8B-B14F-4D97-AF65-F5344CB8AC3E}">
-        <p14:creationId xmlns:p14="http://schemas.microsoft.com/office/powerpoint/2010/main" val="246608898"/>
+        <p14:creationId xmlns:p14="http://schemas.microsoft.com/office/powerpoint/2010/main" xmlns="" val="246608898"/>
       </p:ext>
     </p:extLst>
   </p:cSld>
@@ -813,7 +817,8 @@
           <a:p>
             <a:fld id="{B3AC404A-BEEB-42F3-A1A7-FB5C2ACC860F}" type="datetimeFigureOut">
               <a:rPr lang="en-US" smtClean="0"/>
-              <a:t>12/20/2019</a:t>
+              <a:pPr/>
+              <a:t>4/17/2020</a:t>
             </a:fld>
             <a:endParaRPr lang="en-US"/>
           </a:p>
@@ -855,6 +860,7 @@
           <a:p>
             <a:fld id="{7762D9F7-C4C9-4787-9C64-F163FC2E2F8D}" type="slidenum">
               <a:rPr lang="en-US" smtClean="0"/>
+              <a:pPr/>
               <a:t>‹#›</a:t>
             </a:fld>
             <a:endParaRPr lang="en-US"/>
@@ -864,7 +870,7 @@
     </p:spTree>
     <p:extLst>
       <p:ext uri="{BB962C8B-B14F-4D97-AF65-F5344CB8AC3E}">
-        <p14:creationId xmlns:p14="http://schemas.microsoft.com/office/powerpoint/2010/main" val="2736402340"/>
+        <p14:creationId xmlns:p14="http://schemas.microsoft.com/office/powerpoint/2010/main" xmlns="" val="2736402340"/>
       </p:ext>
     </p:extLst>
   </p:cSld>
@@ -987,7 +993,8 @@
           <a:p>
             <a:fld id="{B3AC404A-BEEB-42F3-A1A7-FB5C2ACC860F}" type="datetimeFigureOut">
               <a:rPr lang="en-US" smtClean="0"/>
-              <a:t>12/20/2019</a:t>
+              <a:pPr/>
+              <a:t>4/17/2020</a:t>
             </a:fld>
             <a:endParaRPr lang="en-US"/>
           </a:p>
@@ -1029,6 +1036,7 @@
           <a:p>
             <a:fld id="{7762D9F7-C4C9-4787-9C64-F163FC2E2F8D}" type="slidenum">
               <a:rPr lang="en-US" smtClean="0"/>
+              <a:pPr/>
               <a:t>‹#›</a:t>
             </a:fld>
             <a:endParaRPr lang="en-US"/>
@@ -1038,7 +1046,7 @@
     </p:spTree>
     <p:extLst>
       <p:ext uri="{BB962C8B-B14F-4D97-AF65-F5344CB8AC3E}">
-        <p14:creationId xmlns:p14="http://schemas.microsoft.com/office/powerpoint/2010/main" val="1449735808"/>
+        <p14:creationId xmlns:p14="http://schemas.microsoft.com/office/powerpoint/2010/main" xmlns="" val="1449735808"/>
       </p:ext>
     </p:extLst>
   </p:cSld>
@@ -1330,7 +1338,8 @@
           <a:p>
             <a:fld id="{B3AC404A-BEEB-42F3-A1A7-FB5C2ACC860F}" type="datetimeFigureOut">
               <a:rPr lang="en-US" smtClean="0"/>
-              <a:t>12/20/2019</a:t>
+              <a:pPr/>
+              <a:t>4/17/2020</a:t>
             </a:fld>
             <a:endParaRPr lang="en-US"/>
           </a:p>
@@ -1372,6 +1381,7 @@
           <a:p>
             <a:fld id="{7762D9F7-C4C9-4787-9C64-F163FC2E2F8D}" type="slidenum">
               <a:rPr lang="en-US" smtClean="0"/>
+              <a:pPr/>
               <a:t>‹#›</a:t>
             </a:fld>
             <a:endParaRPr lang="en-US"/>
@@ -1419,7 +1429,7 @@
     </p:spTree>
     <p:extLst>
       <p:ext uri="{BB962C8B-B14F-4D97-AF65-F5344CB8AC3E}">
-        <p14:creationId xmlns:p14="http://schemas.microsoft.com/office/powerpoint/2010/main" val="121017746"/>
+        <p14:creationId xmlns:p14="http://schemas.microsoft.com/office/powerpoint/2010/main" xmlns="" val="121017746"/>
       </p:ext>
     </p:extLst>
   </p:cSld>
@@ -1605,7 +1615,8 @@
           <a:p>
             <a:fld id="{B3AC404A-BEEB-42F3-A1A7-FB5C2ACC860F}" type="datetimeFigureOut">
               <a:rPr lang="en-US" smtClean="0"/>
-              <a:t>12/20/2019</a:t>
+              <a:pPr/>
+              <a:t>4/17/2020</a:t>
             </a:fld>
             <a:endParaRPr lang="en-US"/>
           </a:p>
@@ -1647,6 +1658,7 @@
           <a:p>
             <a:fld id="{7762D9F7-C4C9-4787-9C64-F163FC2E2F8D}" type="slidenum">
               <a:rPr lang="en-US" smtClean="0"/>
+              <a:pPr/>
               <a:t>‹#›</a:t>
             </a:fld>
             <a:endParaRPr lang="en-US"/>
@@ -1656,7 +1668,7 @@
     </p:spTree>
     <p:extLst>
       <p:ext uri="{BB962C8B-B14F-4D97-AF65-F5344CB8AC3E}">
-        <p14:creationId xmlns:p14="http://schemas.microsoft.com/office/powerpoint/2010/main" val="3415396889"/>
+        <p14:creationId xmlns:p14="http://schemas.microsoft.com/office/powerpoint/2010/main" xmlns="" val="3415396889"/>
       </p:ext>
     </p:extLst>
   </p:cSld>
@@ -1984,7 +1996,8 @@
           <a:p>
             <a:fld id="{B3AC404A-BEEB-42F3-A1A7-FB5C2ACC860F}" type="datetimeFigureOut">
               <a:rPr lang="en-US" smtClean="0"/>
-              <a:t>12/20/2019</a:t>
+              <a:pPr/>
+              <a:t>4/17/2020</a:t>
             </a:fld>
             <a:endParaRPr lang="en-US"/>
           </a:p>
@@ -2026,6 +2039,7 @@
           <a:p>
             <a:fld id="{7762D9F7-C4C9-4787-9C64-F163FC2E2F8D}" type="slidenum">
               <a:rPr lang="en-US" smtClean="0"/>
+              <a:pPr/>
               <a:t>‹#›</a:t>
             </a:fld>
             <a:endParaRPr lang="en-US"/>
@@ -2035,7 +2049,7 @@
     </p:spTree>
     <p:extLst>
       <p:ext uri="{BB962C8B-B14F-4D97-AF65-F5344CB8AC3E}">
-        <p14:creationId xmlns:p14="http://schemas.microsoft.com/office/powerpoint/2010/main" val="247462047"/>
+        <p14:creationId xmlns:p14="http://schemas.microsoft.com/office/powerpoint/2010/main" xmlns="" val="247462047"/>
       </p:ext>
     </p:extLst>
   </p:cSld>
@@ -2102,7 +2116,8 @@
           <a:p>
             <a:fld id="{B3AC404A-BEEB-42F3-A1A7-FB5C2ACC860F}" type="datetimeFigureOut">
               <a:rPr lang="en-US" smtClean="0"/>
-              <a:t>12/20/2019</a:t>
+              <a:pPr/>
+              <a:t>4/17/2020</a:t>
             </a:fld>
             <a:endParaRPr lang="en-US"/>
           </a:p>
@@ -2144,6 +2159,7 @@
           <a:p>
             <a:fld id="{7762D9F7-C4C9-4787-9C64-F163FC2E2F8D}" type="slidenum">
               <a:rPr lang="en-US" smtClean="0"/>
+              <a:pPr/>
               <a:t>‹#›</a:t>
             </a:fld>
             <a:endParaRPr lang="en-US"/>
@@ -2153,7 +2169,7 @@
     </p:spTree>
     <p:extLst>
       <p:ext uri="{BB962C8B-B14F-4D97-AF65-F5344CB8AC3E}">
-        <p14:creationId xmlns:p14="http://schemas.microsoft.com/office/powerpoint/2010/main" val="3961292102"/>
+        <p14:creationId xmlns:p14="http://schemas.microsoft.com/office/powerpoint/2010/main" xmlns="" val="3961292102"/>
       </p:ext>
     </p:extLst>
   </p:cSld>
@@ -2273,7 +2289,8 @@
           <a:p>
             <a:fld id="{B3AC404A-BEEB-42F3-A1A7-FB5C2ACC860F}" type="datetimeFigureOut">
               <a:rPr lang="en-US" smtClean="0"/>
-              <a:t>12/20/2019</a:t>
+              <a:pPr/>
+              <a:t>4/17/2020</a:t>
             </a:fld>
             <a:endParaRPr lang="en-US"/>
           </a:p>
@@ -2323,6 +2340,7 @@
           <a:p>
             <a:fld id="{7762D9F7-C4C9-4787-9C64-F163FC2E2F8D}" type="slidenum">
               <a:rPr lang="en-US" smtClean="0"/>
+              <a:pPr/>
               <a:t>‹#›</a:t>
             </a:fld>
             <a:endParaRPr lang="en-US"/>
@@ -2332,7 +2350,7 @@
     </p:spTree>
     <p:extLst>
       <p:ext uri="{BB962C8B-B14F-4D97-AF65-F5344CB8AC3E}">
-        <p14:creationId xmlns:p14="http://schemas.microsoft.com/office/powerpoint/2010/main" val="4085488305"/>
+        <p14:creationId xmlns:p14="http://schemas.microsoft.com/office/powerpoint/2010/main" xmlns="" val="4085488305"/>
       </p:ext>
     </p:extLst>
   </p:cSld>
@@ -2627,7 +2645,8 @@
           <a:p>
             <a:fld id="{B3AC404A-BEEB-42F3-A1A7-FB5C2ACC860F}" type="datetimeFigureOut">
               <a:rPr lang="en-US" smtClean="0"/>
-              <a:t>12/20/2019</a:t>
+              <a:pPr/>
+              <a:t>4/17/2020</a:t>
             </a:fld>
             <a:endParaRPr lang="en-US"/>
           </a:p>
@@ -2690,6 +2709,7 @@
           <a:p>
             <a:fld id="{7762D9F7-C4C9-4787-9C64-F163FC2E2F8D}" type="slidenum">
               <a:rPr lang="en-US" smtClean="0"/>
+              <a:pPr/>
               <a:t>‹#›</a:t>
             </a:fld>
             <a:endParaRPr lang="en-US"/>
@@ -2699,7 +2719,7 @@
     </p:spTree>
     <p:extLst>
       <p:ext uri="{BB962C8B-B14F-4D97-AF65-F5344CB8AC3E}">
-        <p14:creationId xmlns:p14="http://schemas.microsoft.com/office/powerpoint/2010/main" val="965933904"/>
+        <p14:creationId xmlns:p14="http://schemas.microsoft.com/office/powerpoint/2010/main" xmlns="" val="965933904"/>
       </p:ext>
     </p:extLst>
   </p:cSld>
@@ -3009,7 +3029,8 @@
           <a:p>
             <a:fld id="{B3AC404A-BEEB-42F3-A1A7-FB5C2ACC860F}" type="datetimeFigureOut">
               <a:rPr lang="en-US" smtClean="0"/>
-              <a:t>12/20/2019</a:t>
+              <a:pPr/>
+              <a:t>4/17/2020</a:t>
             </a:fld>
             <a:endParaRPr lang="en-US"/>
           </a:p>
@@ -3051,6 +3072,7 @@
           <a:p>
             <a:fld id="{7762D9F7-C4C9-4787-9C64-F163FC2E2F8D}" type="slidenum">
               <a:rPr lang="en-US" smtClean="0"/>
+              <a:pPr/>
               <a:t>‹#›</a:t>
             </a:fld>
             <a:endParaRPr lang="en-US"/>
@@ -3060,7 +3082,7 @@
     </p:spTree>
     <p:extLst>
       <p:ext uri="{BB962C8B-B14F-4D97-AF65-F5344CB8AC3E}">
-        <p14:creationId xmlns:p14="http://schemas.microsoft.com/office/powerpoint/2010/main" val="1829186753"/>
+        <p14:creationId xmlns:p14="http://schemas.microsoft.com/office/powerpoint/2010/main" xmlns="" val="1829186753"/>
       </p:ext>
     </p:extLst>
   </p:cSld>
@@ -3296,7 +3318,8 @@
           <a:p>
             <a:fld id="{B3AC404A-BEEB-42F3-A1A7-FB5C2ACC860F}" type="datetimeFigureOut">
               <a:rPr lang="en-US" smtClean="0"/>
-              <a:t>12/20/2019</a:t>
+              <a:pPr/>
+              <a:t>4/17/2020</a:t>
             </a:fld>
             <a:endParaRPr lang="en-US"/>
           </a:p>
@@ -3370,6 +3393,7 @@
           <a:p>
             <a:fld id="{7762D9F7-C4C9-4787-9C64-F163FC2E2F8D}" type="slidenum">
               <a:rPr lang="en-US" smtClean="0"/>
+              <a:pPr/>
               <a:t>‹#›</a:t>
             </a:fld>
             <a:endParaRPr lang="en-US"/>
@@ -3417,7 +3441,7 @@
     </p:spTree>
     <p:extLst>
       <p:ext uri="{BB962C8B-B14F-4D97-AF65-F5344CB8AC3E}">
-        <p14:creationId xmlns:p14="http://schemas.microsoft.com/office/powerpoint/2010/main" val="1478048198"/>
+        <p14:creationId xmlns:p14="http://schemas.microsoft.com/office/powerpoint/2010/main" xmlns="" val="1478048198"/>
       </p:ext>
     </p:extLst>
   </p:cSld>
@@ -3866,10 +3890,40 @@
           </a:p>
         </p:txBody>
       </p:sp>
+      <p:pic>
+        <p:nvPicPr>
+          <p:cNvPr id="4" name="Picture 3"/>
+          <p:cNvPicPr>
+            <a:picLocks noChangeAspect="1"/>
+          </p:cNvPicPr>
+          <p:nvPr/>
+        </p:nvPicPr>
+        <p:blipFill>
+          <a:blip r:embed="rId2" cstate="print">
+            <a:extLst>
+              <a:ext uri="{28A0092B-C50C-407E-A947-70E740481C1C}">
+                <a14:useLocalDpi xmlns:a14="http://schemas.microsoft.com/office/drawing/2010/main" xmlns="" val="0"/>
+              </a:ext>
+            </a:extLst>
+          </a:blip>
+          <a:stretch>
+            <a:fillRect/>
+          </a:stretch>
+        </p:blipFill>
+        <p:spPr>
+          <a:xfrm>
+            <a:off x="0" y="0"/>
+            <a:ext cx="1062463" cy="751114"/>
+          </a:xfrm>
+          <a:prstGeom prst="rect">
+            <a:avLst/>
+          </a:prstGeom>
+        </p:spPr>
+      </p:pic>
     </p:spTree>
     <p:extLst>
       <p:ext uri="{BB962C8B-B14F-4D97-AF65-F5344CB8AC3E}">
-        <p14:creationId xmlns:p14="http://schemas.microsoft.com/office/powerpoint/2010/main" val="1292809916"/>
+        <p14:creationId xmlns:p14="http://schemas.microsoft.com/office/powerpoint/2010/main" xmlns="" val="1292809916"/>
       </p:ext>
     </p:extLst>
   </p:cSld>
@@ -3994,7 +4048,7 @@
           <a:blip r:embed="rId2">
             <a:extLst>
               <a:ext uri="{28A0092B-C50C-407E-A947-70E740481C1C}">
-                <a14:useLocalDpi xmlns:a14="http://schemas.microsoft.com/office/drawing/2010/main" val="0"/>
+                <a14:useLocalDpi xmlns:a14="http://schemas.microsoft.com/office/drawing/2010/main" xmlns="" val="0"/>
               </a:ext>
             </a:extLst>
           </a:blip>
@@ -4014,7 +4068,7 @@
           <a:noFill/>
           <a:extLst>
             <a:ext uri="{909E8E84-426E-40DD-AFC4-6F175D3DCCD1}">
-              <a14:hiddenFill xmlns:a14="http://schemas.microsoft.com/office/drawing/2010/main">
+              <a14:hiddenFill xmlns:a14="http://schemas.microsoft.com/office/drawing/2010/main" xmlns="">
                 <a:solidFill>
                   <a:srgbClr val="FFFFFF"/>
                 </a:solidFill>
@@ -4023,10 +4077,40 @@
           </a:extLst>
         </p:spPr>
       </p:pic>
+      <p:pic>
+        <p:nvPicPr>
+          <p:cNvPr id="5" name="Picture 4"/>
+          <p:cNvPicPr>
+            <a:picLocks noChangeAspect="1"/>
+          </p:cNvPicPr>
+          <p:nvPr/>
+        </p:nvPicPr>
+        <p:blipFill>
+          <a:blip r:embed="rId3" cstate="print">
+            <a:extLst>
+              <a:ext uri="{28A0092B-C50C-407E-A947-70E740481C1C}">
+                <a14:useLocalDpi xmlns:a14="http://schemas.microsoft.com/office/drawing/2010/main" xmlns="" val="0"/>
+              </a:ext>
+            </a:extLst>
+          </a:blip>
+          <a:stretch>
+            <a:fillRect/>
+          </a:stretch>
+        </p:blipFill>
+        <p:spPr>
+          <a:xfrm>
+            <a:off x="0" y="0"/>
+            <a:ext cx="1062463" cy="751114"/>
+          </a:xfrm>
+          <a:prstGeom prst="rect">
+            <a:avLst/>
+          </a:prstGeom>
+        </p:spPr>
+      </p:pic>
     </p:spTree>
     <p:extLst>
       <p:ext uri="{BB962C8B-B14F-4D97-AF65-F5344CB8AC3E}">
-        <p14:creationId xmlns:p14="http://schemas.microsoft.com/office/powerpoint/2010/main" val="667321496"/>
+        <p14:creationId xmlns:p14="http://schemas.microsoft.com/office/powerpoint/2010/main" xmlns="" val="667321496"/>
       </p:ext>
     </p:extLst>
   </p:cSld>
@@ -4095,7 +4179,7 @@
           <a:blip r:embed="rId2">
             <a:extLst>
               <a:ext uri="{28A0092B-C50C-407E-A947-70E740481C1C}">
-                <a14:useLocalDpi xmlns:a14="http://schemas.microsoft.com/office/drawing/2010/main" val="0"/>
+                <a14:useLocalDpi xmlns:a14="http://schemas.microsoft.com/office/drawing/2010/main" xmlns="" val="0"/>
               </a:ext>
             </a:extLst>
           </a:blip>
@@ -4115,7 +4199,7 @@
           <a:noFill/>
           <a:extLst>
             <a:ext uri="{909E8E84-426E-40DD-AFC4-6F175D3DCCD1}">
-              <a14:hiddenFill xmlns:a14="http://schemas.microsoft.com/office/drawing/2010/main">
+              <a14:hiddenFill xmlns:a14="http://schemas.microsoft.com/office/drawing/2010/main" xmlns="">
                 <a:solidFill>
                   <a:srgbClr val="FFFFFF"/>
                 </a:solidFill>
@@ -4136,7 +4220,7 @@
           <a:blip r:embed="rId3">
             <a:extLst>
               <a:ext uri="{28A0092B-C50C-407E-A947-70E740481C1C}">
-                <a14:useLocalDpi xmlns:a14="http://schemas.microsoft.com/office/drawing/2010/main" val="0"/>
+                <a14:useLocalDpi xmlns:a14="http://schemas.microsoft.com/office/drawing/2010/main" xmlns="" val="0"/>
               </a:ext>
             </a:extLst>
           </a:blip>
@@ -4156,7 +4240,7 @@
           <a:noFill/>
           <a:extLst>
             <a:ext uri="{909E8E84-426E-40DD-AFC4-6F175D3DCCD1}">
-              <a14:hiddenFill xmlns:a14="http://schemas.microsoft.com/office/drawing/2010/main">
+              <a14:hiddenFill xmlns:a14="http://schemas.microsoft.com/office/drawing/2010/main" xmlns="">
                 <a:solidFill>
                   <a:srgbClr val="FFFFFF"/>
                 </a:solidFill>
@@ -4177,7 +4261,7 @@
           <a:blip r:embed="rId4">
             <a:extLst>
               <a:ext uri="{28A0092B-C50C-407E-A947-70E740481C1C}">
-                <a14:useLocalDpi xmlns:a14="http://schemas.microsoft.com/office/drawing/2010/main" val="0"/>
+                <a14:useLocalDpi xmlns:a14="http://schemas.microsoft.com/office/drawing/2010/main" xmlns="" val="0"/>
               </a:ext>
             </a:extLst>
           </a:blip>
@@ -4197,7 +4281,7 @@
           <a:noFill/>
           <a:extLst>
             <a:ext uri="{909E8E84-426E-40DD-AFC4-6F175D3DCCD1}">
-              <a14:hiddenFill xmlns:a14="http://schemas.microsoft.com/office/drawing/2010/main">
+              <a14:hiddenFill xmlns:a14="http://schemas.microsoft.com/office/drawing/2010/main" xmlns="">
                 <a:solidFill>
                   <a:srgbClr val="FFFFFF"/>
                 </a:solidFill>
@@ -4218,7 +4302,7 @@
           <a:blip r:embed="rId5">
             <a:extLst>
               <a:ext uri="{28A0092B-C50C-407E-A947-70E740481C1C}">
-                <a14:useLocalDpi xmlns:a14="http://schemas.microsoft.com/office/drawing/2010/main" val="0"/>
+                <a14:useLocalDpi xmlns:a14="http://schemas.microsoft.com/office/drawing/2010/main" xmlns="" val="0"/>
               </a:ext>
             </a:extLst>
           </a:blip>
@@ -4238,7 +4322,7 @@
           <a:noFill/>
           <a:extLst>
             <a:ext uri="{909E8E84-426E-40DD-AFC4-6F175D3DCCD1}">
-              <a14:hiddenFill xmlns:a14="http://schemas.microsoft.com/office/drawing/2010/main">
+              <a14:hiddenFill xmlns:a14="http://schemas.microsoft.com/office/drawing/2010/main" xmlns="">
                 <a:solidFill>
                   <a:srgbClr val="FFFFFF"/>
                 </a:solidFill>
@@ -4259,7 +4343,7 @@
           <a:blip r:embed="rId6">
             <a:extLst>
               <a:ext uri="{28A0092B-C50C-407E-A947-70E740481C1C}">
-                <a14:useLocalDpi xmlns:a14="http://schemas.microsoft.com/office/drawing/2010/main" val="0"/>
+                <a14:useLocalDpi xmlns:a14="http://schemas.microsoft.com/office/drawing/2010/main" xmlns="" val="0"/>
               </a:ext>
             </a:extLst>
           </a:blip>
@@ -4279,7 +4363,7 @@
           <a:noFill/>
           <a:extLst>
             <a:ext uri="{909E8E84-426E-40DD-AFC4-6F175D3DCCD1}">
-              <a14:hiddenFill xmlns:a14="http://schemas.microsoft.com/office/drawing/2010/main">
+              <a14:hiddenFill xmlns:a14="http://schemas.microsoft.com/office/drawing/2010/main" xmlns="">
                 <a:solidFill>
                   <a:srgbClr val="FFFFFF"/>
                 </a:solidFill>
@@ -4300,7 +4384,7 @@
           <a:blip r:embed="rId7">
             <a:extLst>
               <a:ext uri="{28A0092B-C50C-407E-A947-70E740481C1C}">
-                <a14:useLocalDpi xmlns:a14="http://schemas.microsoft.com/office/drawing/2010/main" val="0"/>
+                <a14:useLocalDpi xmlns:a14="http://schemas.microsoft.com/office/drawing/2010/main" xmlns="" val="0"/>
               </a:ext>
             </a:extLst>
           </a:blip>
@@ -4320,7 +4404,7 @@
           <a:noFill/>
           <a:extLst>
             <a:ext uri="{909E8E84-426E-40DD-AFC4-6F175D3DCCD1}">
-              <a14:hiddenFill xmlns:a14="http://schemas.microsoft.com/office/drawing/2010/main">
+              <a14:hiddenFill xmlns:a14="http://schemas.microsoft.com/office/drawing/2010/main" xmlns="">
                 <a:solidFill>
                   <a:srgbClr val="FFFFFF"/>
                 </a:solidFill>
@@ -4329,10 +4413,40 @@
           </a:extLst>
         </p:spPr>
       </p:pic>
+      <p:pic>
+        <p:nvPicPr>
+          <p:cNvPr id="9" name="Picture 8"/>
+          <p:cNvPicPr>
+            <a:picLocks noChangeAspect="1"/>
+          </p:cNvPicPr>
+          <p:nvPr/>
+        </p:nvPicPr>
+        <p:blipFill>
+          <a:blip r:embed="rId8" cstate="print">
+            <a:extLst>
+              <a:ext uri="{28A0092B-C50C-407E-A947-70E740481C1C}">
+                <a14:useLocalDpi xmlns:a14="http://schemas.microsoft.com/office/drawing/2010/main" xmlns="" val="0"/>
+              </a:ext>
+            </a:extLst>
+          </a:blip>
+          <a:stretch>
+            <a:fillRect/>
+          </a:stretch>
+        </p:blipFill>
+        <p:spPr>
+          <a:xfrm>
+            <a:off x="0" y="0"/>
+            <a:ext cx="1062463" cy="751114"/>
+          </a:xfrm>
+          <a:prstGeom prst="rect">
+            <a:avLst/>
+          </a:prstGeom>
+        </p:spPr>
+      </p:pic>
     </p:spTree>
     <p:extLst>
       <p:ext uri="{BB962C8B-B14F-4D97-AF65-F5344CB8AC3E}">
-        <p14:creationId xmlns:p14="http://schemas.microsoft.com/office/powerpoint/2010/main" val="1079447208"/>
+        <p14:creationId xmlns:p14="http://schemas.microsoft.com/office/powerpoint/2010/main" xmlns="" val="1079447208"/>
       </p:ext>
     </p:extLst>
   </p:cSld>
@@ -4454,10 +4568,40 @@
           </a:p>
         </p:txBody>
       </p:sp>
+      <p:pic>
+        <p:nvPicPr>
+          <p:cNvPr id="4" name="Picture 3"/>
+          <p:cNvPicPr>
+            <a:picLocks noChangeAspect="1"/>
+          </p:cNvPicPr>
+          <p:nvPr/>
+        </p:nvPicPr>
+        <p:blipFill>
+          <a:blip r:embed="rId3" cstate="print">
+            <a:extLst>
+              <a:ext uri="{28A0092B-C50C-407E-A947-70E740481C1C}">
+                <a14:useLocalDpi xmlns:a14="http://schemas.microsoft.com/office/drawing/2010/main" xmlns="" val="0"/>
+              </a:ext>
+            </a:extLst>
+          </a:blip>
+          <a:stretch>
+            <a:fillRect/>
+          </a:stretch>
+        </p:blipFill>
+        <p:spPr>
+          <a:xfrm>
+            <a:off x="0" y="0"/>
+            <a:ext cx="1062463" cy="751114"/>
+          </a:xfrm>
+          <a:prstGeom prst="rect">
+            <a:avLst/>
+          </a:prstGeom>
+        </p:spPr>
+      </p:pic>
     </p:spTree>
     <p:extLst>
       <p:ext uri="{BB962C8B-B14F-4D97-AF65-F5344CB8AC3E}">
-        <p14:creationId xmlns:p14="http://schemas.microsoft.com/office/powerpoint/2010/main" val="133643339"/>
+        <p14:creationId xmlns:p14="http://schemas.microsoft.com/office/powerpoint/2010/main" xmlns="" val="133643339"/>
       </p:ext>
     </p:extLst>
   </p:cSld>
@@ -4573,10 +4717,40 @@
           </a:p>
         </p:txBody>
       </p:sp>
+      <p:pic>
+        <p:nvPicPr>
+          <p:cNvPr id="4" name="Picture 3"/>
+          <p:cNvPicPr>
+            <a:picLocks noChangeAspect="1"/>
+          </p:cNvPicPr>
+          <p:nvPr/>
+        </p:nvPicPr>
+        <p:blipFill>
+          <a:blip r:embed="rId2" cstate="print">
+            <a:extLst>
+              <a:ext uri="{28A0092B-C50C-407E-A947-70E740481C1C}">
+                <a14:useLocalDpi xmlns:a14="http://schemas.microsoft.com/office/drawing/2010/main" xmlns="" val="0"/>
+              </a:ext>
+            </a:extLst>
+          </a:blip>
+          <a:stretch>
+            <a:fillRect/>
+          </a:stretch>
+        </p:blipFill>
+        <p:spPr>
+          <a:xfrm>
+            <a:off x="0" y="0"/>
+            <a:ext cx="1062463" cy="751114"/>
+          </a:xfrm>
+          <a:prstGeom prst="rect">
+            <a:avLst/>
+          </a:prstGeom>
+        </p:spPr>
+      </p:pic>
     </p:spTree>
     <p:extLst>
       <p:ext uri="{BB962C8B-B14F-4D97-AF65-F5344CB8AC3E}">
-        <p14:creationId xmlns:p14="http://schemas.microsoft.com/office/powerpoint/2010/main" val="2381611682"/>
+        <p14:creationId xmlns:p14="http://schemas.microsoft.com/office/powerpoint/2010/main" xmlns="" val="2381611682"/>
       </p:ext>
     </p:extLst>
   </p:cSld>
@@ -4647,7 +4821,7 @@
           <a:blip r:embed="rId2">
             <a:extLst>
               <a:ext uri="{28A0092B-C50C-407E-A947-70E740481C1C}">
-                <a14:useLocalDpi xmlns:a14="http://schemas.microsoft.com/office/drawing/2010/main" val="0"/>
+                <a14:useLocalDpi xmlns:a14="http://schemas.microsoft.com/office/drawing/2010/main" xmlns="" val="0"/>
               </a:ext>
             </a:extLst>
           </a:blip>
@@ -4667,7 +4841,7 @@
           <a:noFill/>
           <a:extLst>
             <a:ext uri="{909E8E84-426E-40DD-AFC4-6F175D3DCCD1}">
-              <a14:hiddenFill xmlns:a14="http://schemas.microsoft.com/office/drawing/2010/main">
+              <a14:hiddenFill xmlns:a14="http://schemas.microsoft.com/office/drawing/2010/main" xmlns="">
                 <a:solidFill>
                   <a:srgbClr val="FFFFFF"/>
                 </a:solidFill>
@@ -4676,10 +4850,40 @@
           </a:extLst>
         </p:spPr>
       </p:pic>
+      <p:pic>
+        <p:nvPicPr>
+          <p:cNvPr id="4" name="Picture 3"/>
+          <p:cNvPicPr>
+            <a:picLocks noChangeAspect="1"/>
+          </p:cNvPicPr>
+          <p:nvPr/>
+        </p:nvPicPr>
+        <p:blipFill>
+          <a:blip r:embed="rId3" cstate="print">
+            <a:extLst>
+              <a:ext uri="{28A0092B-C50C-407E-A947-70E740481C1C}">
+                <a14:useLocalDpi xmlns:a14="http://schemas.microsoft.com/office/drawing/2010/main" xmlns="" val="0"/>
+              </a:ext>
+            </a:extLst>
+          </a:blip>
+          <a:stretch>
+            <a:fillRect/>
+          </a:stretch>
+        </p:blipFill>
+        <p:spPr>
+          <a:xfrm>
+            <a:off x="0" y="0"/>
+            <a:ext cx="1062463" cy="751114"/>
+          </a:xfrm>
+          <a:prstGeom prst="rect">
+            <a:avLst/>
+          </a:prstGeom>
+        </p:spPr>
+      </p:pic>
     </p:spTree>
     <p:extLst>
       <p:ext uri="{BB962C8B-B14F-4D97-AF65-F5344CB8AC3E}">
-        <p14:creationId xmlns:p14="http://schemas.microsoft.com/office/powerpoint/2010/main" val="2901691411"/>
+        <p14:creationId xmlns:p14="http://schemas.microsoft.com/office/powerpoint/2010/main" xmlns="" val="2901691411"/>
       </p:ext>
     </p:extLst>
   </p:cSld>
@@ -4750,7 +4954,7 @@
           <a:blip r:embed="rId2">
             <a:extLst>
               <a:ext uri="{28A0092B-C50C-407E-A947-70E740481C1C}">
-                <a14:useLocalDpi xmlns:a14="http://schemas.microsoft.com/office/drawing/2010/main" val="0"/>
+                <a14:useLocalDpi xmlns:a14="http://schemas.microsoft.com/office/drawing/2010/main" xmlns="" val="0"/>
               </a:ext>
             </a:extLst>
           </a:blip>
@@ -4770,7 +4974,7 @@
           <a:noFill/>
           <a:extLst>
             <a:ext uri="{909E8E84-426E-40DD-AFC4-6F175D3DCCD1}">
-              <a14:hiddenFill xmlns:a14="http://schemas.microsoft.com/office/drawing/2010/main">
+              <a14:hiddenFill xmlns:a14="http://schemas.microsoft.com/office/drawing/2010/main" xmlns="">
                 <a:solidFill>
                   <a:srgbClr val="FFFFFF"/>
                 </a:solidFill>
@@ -4779,10 +4983,40 @@
           </a:extLst>
         </p:spPr>
       </p:pic>
+      <p:pic>
+        <p:nvPicPr>
+          <p:cNvPr id="4" name="Picture 3"/>
+          <p:cNvPicPr>
+            <a:picLocks noChangeAspect="1"/>
+          </p:cNvPicPr>
+          <p:nvPr/>
+        </p:nvPicPr>
+        <p:blipFill>
+          <a:blip r:embed="rId3" cstate="print">
+            <a:extLst>
+              <a:ext uri="{28A0092B-C50C-407E-A947-70E740481C1C}">
+                <a14:useLocalDpi xmlns:a14="http://schemas.microsoft.com/office/drawing/2010/main" xmlns="" val="0"/>
+              </a:ext>
+            </a:extLst>
+          </a:blip>
+          <a:stretch>
+            <a:fillRect/>
+          </a:stretch>
+        </p:blipFill>
+        <p:spPr>
+          <a:xfrm>
+            <a:off x="0" y="0"/>
+            <a:ext cx="1062463" cy="751114"/>
+          </a:xfrm>
+          <a:prstGeom prst="rect">
+            <a:avLst/>
+          </a:prstGeom>
+        </p:spPr>
+      </p:pic>
     </p:spTree>
     <p:extLst>
       <p:ext uri="{BB962C8B-B14F-4D97-AF65-F5344CB8AC3E}">
-        <p14:creationId xmlns:p14="http://schemas.microsoft.com/office/powerpoint/2010/main" val="3252642282"/>
+        <p14:creationId xmlns:p14="http://schemas.microsoft.com/office/powerpoint/2010/main" xmlns="" val="3252642282"/>
       </p:ext>
     </p:extLst>
   </p:cSld>
@@ -4853,7 +5087,7 @@
           <a:blip r:embed="rId2">
             <a:extLst>
               <a:ext uri="{28A0092B-C50C-407E-A947-70E740481C1C}">
-                <a14:useLocalDpi xmlns:a14="http://schemas.microsoft.com/office/drawing/2010/main" val="0"/>
+                <a14:useLocalDpi xmlns:a14="http://schemas.microsoft.com/office/drawing/2010/main" xmlns="" val="0"/>
               </a:ext>
             </a:extLst>
           </a:blip>
@@ -4873,7 +5107,7 @@
           <a:noFill/>
           <a:extLst>
             <a:ext uri="{909E8E84-426E-40DD-AFC4-6F175D3DCCD1}">
-              <a14:hiddenFill xmlns:a14="http://schemas.microsoft.com/office/drawing/2010/main">
+              <a14:hiddenFill xmlns:a14="http://schemas.microsoft.com/office/drawing/2010/main" xmlns="">
                 <a:solidFill>
                   <a:srgbClr val="FFFFFF"/>
                 </a:solidFill>
@@ -4985,10 +5219,40 @@
           </a:p>
         </p:txBody>
       </p:sp>
+      <p:pic>
+        <p:nvPicPr>
+          <p:cNvPr id="7" name="Picture 6"/>
+          <p:cNvPicPr>
+            <a:picLocks noChangeAspect="1"/>
+          </p:cNvPicPr>
+          <p:nvPr/>
+        </p:nvPicPr>
+        <p:blipFill>
+          <a:blip r:embed="rId3" cstate="print">
+            <a:extLst>
+              <a:ext uri="{28A0092B-C50C-407E-A947-70E740481C1C}">
+                <a14:useLocalDpi xmlns:a14="http://schemas.microsoft.com/office/drawing/2010/main" xmlns="" val="0"/>
+              </a:ext>
+            </a:extLst>
+          </a:blip>
+          <a:stretch>
+            <a:fillRect/>
+          </a:stretch>
+        </p:blipFill>
+        <p:spPr>
+          <a:xfrm>
+            <a:off x="0" y="0"/>
+            <a:ext cx="1062463" cy="751114"/>
+          </a:xfrm>
+          <a:prstGeom prst="rect">
+            <a:avLst/>
+          </a:prstGeom>
+        </p:spPr>
+      </p:pic>
     </p:spTree>
     <p:extLst>
       <p:ext uri="{BB962C8B-B14F-4D97-AF65-F5344CB8AC3E}">
-        <p14:creationId xmlns:p14="http://schemas.microsoft.com/office/powerpoint/2010/main" val="3841069878"/>
+        <p14:creationId xmlns:p14="http://schemas.microsoft.com/office/powerpoint/2010/main" xmlns="" val="3841069878"/>
       </p:ext>
     </p:extLst>
   </p:cSld>
@@ -5059,7 +5323,7 @@
           <a:blip r:embed="rId2">
             <a:extLst>
               <a:ext uri="{28A0092B-C50C-407E-A947-70E740481C1C}">
-                <a14:useLocalDpi xmlns:a14="http://schemas.microsoft.com/office/drawing/2010/main" val="0"/>
+                <a14:useLocalDpi xmlns:a14="http://schemas.microsoft.com/office/drawing/2010/main" xmlns="" val="0"/>
               </a:ext>
             </a:extLst>
           </a:blip>
@@ -5079,7 +5343,7 @@
           <a:noFill/>
           <a:extLst>
             <a:ext uri="{909E8E84-426E-40DD-AFC4-6F175D3DCCD1}">
-              <a14:hiddenFill xmlns:a14="http://schemas.microsoft.com/office/drawing/2010/main">
+              <a14:hiddenFill xmlns:a14="http://schemas.microsoft.com/office/drawing/2010/main" xmlns="">
                 <a:solidFill>
                   <a:srgbClr val="FFFFFF"/>
                 </a:solidFill>
@@ -5088,10 +5352,40 @@
           </a:extLst>
         </p:spPr>
       </p:pic>
+      <p:pic>
+        <p:nvPicPr>
+          <p:cNvPr id="4" name="Picture 3"/>
+          <p:cNvPicPr>
+            <a:picLocks noChangeAspect="1"/>
+          </p:cNvPicPr>
+          <p:nvPr/>
+        </p:nvPicPr>
+        <p:blipFill>
+          <a:blip r:embed="rId3" cstate="print">
+            <a:extLst>
+              <a:ext uri="{28A0092B-C50C-407E-A947-70E740481C1C}">
+                <a14:useLocalDpi xmlns:a14="http://schemas.microsoft.com/office/drawing/2010/main" xmlns="" val="0"/>
+              </a:ext>
+            </a:extLst>
+          </a:blip>
+          <a:stretch>
+            <a:fillRect/>
+          </a:stretch>
+        </p:blipFill>
+        <p:spPr>
+          <a:xfrm>
+            <a:off x="0" y="0"/>
+            <a:ext cx="1062463" cy="751114"/>
+          </a:xfrm>
+          <a:prstGeom prst="rect">
+            <a:avLst/>
+          </a:prstGeom>
+        </p:spPr>
+      </p:pic>
     </p:spTree>
     <p:extLst>
       <p:ext uri="{BB962C8B-B14F-4D97-AF65-F5344CB8AC3E}">
-        <p14:creationId xmlns:p14="http://schemas.microsoft.com/office/powerpoint/2010/main" val="597887010"/>
+        <p14:creationId xmlns:p14="http://schemas.microsoft.com/office/powerpoint/2010/main" xmlns="" val="597887010"/>
       </p:ext>
     </p:extLst>
   </p:cSld>
@@ -5162,7 +5456,7 @@
           <a:blip r:embed="rId2">
             <a:extLst>
               <a:ext uri="{28A0092B-C50C-407E-A947-70E740481C1C}">
-                <a14:useLocalDpi xmlns:a14="http://schemas.microsoft.com/office/drawing/2010/main" val="0"/>
+                <a14:useLocalDpi xmlns:a14="http://schemas.microsoft.com/office/drawing/2010/main" xmlns="" val="0"/>
               </a:ext>
             </a:extLst>
           </a:blip>
@@ -5182,7 +5476,7 @@
           <a:noFill/>
           <a:extLst>
             <a:ext uri="{909E8E84-426E-40DD-AFC4-6F175D3DCCD1}">
-              <a14:hiddenFill xmlns:a14="http://schemas.microsoft.com/office/drawing/2010/main">
+              <a14:hiddenFill xmlns:a14="http://schemas.microsoft.com/office/drawing/2010/main" xmlns="">
                 <a:solidFill>
                   <a:srgbClr val="FFFFFF"/>
                 </a:solidFill>
@@ -5203,7 +5497,7 @@
           <a:blip r:embed="rId3" cstate="print">
             <a:extLst>
               <a:ext uri="{28A0092B-C50C-407E-A947-70E740481C1C}">
-                <a14:useLocalDpi xmlns:a14="http://schemas.microsoft.com/office/drawing/2010/main" val="0"/>
+                <a14:useLocalDpi xmlns:a14="http://schemas.microsoft.com/office/drawing/2010/main" xmlns="" val="0"/>
               </a:ext>
             </a:extLst>
           </a:blip>
@@ -5223,7 +5517,7 @@
           <a:noFill/>
           <a:extLst>
             <a:ext uri="{909E8E84-426E-40DD-AFC4-6F175D3DCCD1}">
-              <a14:hiddenFill xmlns:a14="http://schemas.microsoft.com/office/drawing/2010/main">
+              <a14:hiddenFill xmlns:a14="http://schemas.microsoft.com/office/drawing/2010/main" xmlns="">
                 <a:solidFill>
                   <a:srgbClr val="FFFFFF"/>
                 </a:solidFill>
@@ -5232,10 +5526,40 @@
           </a:extLst>
         </p:spPr>
       </p:pic>
+      <p:pic>
+        <p:nvPicPr>
+          <p:cNvPr id="5" name="Picture 4"/>
+          <p:cNvPicPr>
+            <a:picLocks noChangeAspect="1"/>
+          </p:cNvPicPr>
+          <p:nvPr/>
+        </p:nvPicPr>
+        <p:blipFill>
+          <a:blip r:embed="rId4" cstate="print">
+            <a:extLst>
+              <a:ext uri="{28A0092B-C50C-407E-A947-70E740481C1C}">
+                <a14:useLocalDpi xmlns:a14="http://schemas.microsoft.com/office/drawing/2010/main" xmlns="" val="0"/>
+              </a:ext>
+            </a:extLst>
+          </a:blip>
+          <a:stretch>
+            <a:fillRect/>
+          </a:stretch>
+        </p:blipFill>
+        <p:spPr>
+          <a:xfrm>
+            <a:off x="0" y="0"/>
+            <a:ext cx="1062463" cy="751114"/>
+          </a:xfrm>
+          <a:prstGeom prst="rect">
+            <a:avLst/>
+          </a:prstGeom>
+        </p:spPr>
+      </p:pic>
     </p:spTree>
     <p:extLst>
       <p:ext uri="{BB962C8B-B14F-4D97-AF65-F5344CB8AC3E}">
-        <p14:creationId xmlns:p14="http://schemas.microsoft.com/office/powerpoint/2010/main" val="898573272"/>
+        <p14:creationId xmlns:p14="http://schemas.microsoft.com/office/powerpoint/2010/main" xmlns="" val="898573272"/>
       </p:ext>
     </p:extLst>
   </p:cSld>
@@ -5295,10 +5619,40 @@
           </a:prstGeom>
         </p:spPr>
       </p:pic>
+      <p:pic>
+        <p:nvPicPr>
+          <p:cNvPr id="3" name="Picture 2"/>
+          <p:cNvPicPr>
+            <a:picLocks noChangeAspect="1"/>
+          </p:cNvPicPr>
+          <p:nvPr/>
+        </p:nvPicPr>
+        <p:blipFill>
+          <a:blip r:embed="rId3" cstate="print">
+            <a:extLst>
+              <a:ext uri="{28A0092B-C50C-407E-A947-70E740481C1C}">
+                <a14:useLocalDpi xmlns:a14="http://schemas.microsoft.com/office/drawing/2010/main" xmlns="" val="0"/>
+              </a:ext>
+            </a:extLst>
+          </a:blip>
+          <a:stretch>
+            <a:fillRect/>
+          </a:stretch>
+        </p:blipFill>
+        <p:spPr>
+          <a:xfrm>
+            <a:off x="0" y="0"/>
+            <a:ext cx="1062463" cy="751114"/>
+          </a:xfrm>
+          <a:prstGeom prst="rect">
+            <a:avLst/>
+          </a:prstGeom>
+        </p:spPr>
+      </p:pic>
     </p:spTree>
     <p:extLst>
       <p:ext uri="{BB962C8B-B14F-4D97-AF65-F5344CB8AC3E}">
-        <p14:creationId xmlns:p14="http://schemas.microsoft.com/office/powerpoint/2010/main" val="3642009181"/>
+        <p14:creationId xmlns:p14="http://schemas.microsoft.com/office/powerpoint/2010/main" xmlns="" val="3642009181"/>
       </p:ext>
     </p:extLst>
   </p:cSld>
@@ -5671,10 +6025,40 @@
           </a:p>
         </p:txBody>
       </p:sp>
+      <p:pic>
+        <p:nvPicPr>
+          <p:cNvPr id="10" name="Picture 9"/>
+          <p:cNvPicPr>
+            <a:picLocks noChangeAspect="1"/>
+          </p:cNvPicPr>
+          <p:nvPr/>
+        </p:nvPicPr>
+        <p:blipFill>
+          <a:blip r:embed="rId2" cstate="print">
+            <a:extLst>
+              <a:ext uri="{28A0092B-C50C-407E-A947-70E740481C1C}">
+                <a14:useLocalDpi xmlns:a14="http://schemas.microsoft.com/office/drawing/2010/main" xmlns="" val="0"/>
+              </a:ext>
+            </a:extLst>
+          </a:blip>
+          <a:stretch>
+            <a:fillRect/>
+          </a:stretch>
+        </p:blipFill>
+        <p:spPr>
+          <a:xfrm>
+            <a:off x="0" y="0"/>
+            <a:ext cx="1062463" cy="751114"/>
+          </a:xfrm>
+          <a:prstGeom prst="rect">
+            <a:avLst/>
+          </a:prstGeom>
+        </p:spPr>
+      </p:pic>
     </p:spTree>
     <p:extLst>
       <p:ext uri="{BB962C8B-B14F-4D97-AF65-F5344CB8AC3E}">
-        <p14:creationId xmlns:p14="http://schemas.microsoft.com/office/powerpoint/2010/main" val="2163434667"/>
+        <p14:creationId xmlns:p14="http://schemas.microsoft.com/office/powerpoint/2010/main" xmlns="" val="2163434667"/>
       </p:ext>
     </p:extLst>
   </p:cSld>
@@ -5734,7 +6118,7 @@
     </a:clrScheme>
     <a:fontScheme name="Retrospect">
       <a:majorFont>
-        <a:latin typeface="Calibri Light" panose="020F0302020204030204"/>
+        <a:latin typeface="Calibri Light"/>
         <a:ea typeface=""/>
         <a:cs typeface=""/>
         <a:font script="Jpan" typeface="ＭＳ Ｐゴシック"/>
@@ -5769,7 +6153,7 @@
         <a:font script="Geor" typeface="Sylfaen"/>
       </a:majorFont>
       <a:minorFont>
-        <a:latin typeface="Calibri" panose="020F0502020204030204"/>
+        <a:latin typeface="Calibri"/>
         <a:ea typeface=""/>
         <a:cs typeface=""/>
         <a:font script="Jpan" typeface="ＭＳ Ｐゴシック"/>
@@ -5968,7 +6352,7 @@
   <a:extraClrSchemeLst/>
   <a:extLst>
     <a:ext uri="{05A4C25C-085E-4340-85A3-A5531E510DB2}">
-      <thm15:themeFamily xmlns:thm15="http://schemas.microsoft.com/office/thememl/2012/main" name="Retrospect" id="{5F128B03-DCCA-4EEB-AB3B-CF2899314A46}" vid="{3F1AAB62-24C6-49D2-8E01-B56FAC9A3DCD}"/>
+      <thm15:themeFamily xmlns:thm15="http://schemas.microsoft.com/office/thememl/2012/main" xmlns="" name="Retrospect" id="{5F128B03-DCCA-4EEB-AB3B-CF2899314A46}" vid="{3F1AAB62-24C6-49D2-8E01-B56FAC9A3DCD}"/>
     </a:ext>
   </a:extLst>
 </a:theme>
